--- a/files_for_summit_source/1_mb_ppt_saveass.pptx
+++ b/files_for_summit_source/1_mb_ppt_saveass.pptx
@@ -5,9 +5,7 @@
     <p:sldMasterId id="2147483648" r:id="rId1"/>
   </p:sldMasterIdLst>
   <p:sldIdLst>
-    <p:sldId id="256" r:id="rId2"/>
-    <p:sldId id="258" r:id="rId3"/>
-    <p:sldId id="257" r:id="rId4"/>
+    <p:sldId id="256" r:id="rId6"/>
   </p:sldIdLst>
   <p:sldSz cx="9144000" cy="6858000" type="screen4x3"/>
   <p:notesSz cx="6858000" cy="9144000"/>
@@ -15,124 +13,94 @@
     <a:defPPr>
       <a:defRPr lang="en-US"/>
     </a:defPPr>
-    <a:lvl1pPr algn="l" rtl="0" fontAlgn="base">
-      <a:spcBef>
-        <a:spcPct val="0"/>
-      </a:spcBef>
-      <a:spcAft>
-        <a:spcPct val="0"/>
-      </a:spcAft>
-      <a:defRPr kern="1200">
+    <a:lvl1pPr marL="0" algn="l" defTabSz="914400" rtl="0" eaLnBrk="1" latinLnBrk="0" hangingPunct="1">
+      <a:defRPr sz="1800" kern="1200">
         <a:solidFill>
           <a:schemeClr val="tx1"/>
         </a:solidFill>
-        <a:latin typeface="Arial" charset="0"/>
+        <a:latin typeface="+mn-lt"/>
         <a:ea typeface="+mn-ea"/>
-        <a:cs typeface="Arial" charset="0"/>
+        <a:cs typeface="+mn-cs"/>
       </a:defRPr>
     </a:lvl1pPr>
-    <a:lvl2pPr marL="457200" algn="l" rtl="0" fontAlgn="base">
-      <a:spcBef>
-        <a:spcPct val="0"/>
-      </a:spcBef>
-      <a:spcAft>
-        <a:spcPct val="0"/>
-      </a:spcAft>
-      <a:defRPr kern="1200">
+    <a:lvl2pPr marL="457200" algn="l" defTabSz="914400" rtl="0" eaLnBrk="1" latinLnBrk="0" hangingPunct="1">
+      <a:defRPr sz="1800" kern="1200">
         <a:solidFill>
           <a:schemeClr val="tx1"/>
         </a:solidFill>
-        <a:latin typeface="Arial" charset="0"/>
+        <a:latin typeface="+mn-lt"/>
         <a:ea typeface="+mn-ea"/>
-        <a:cs typeface="Arial" charset="0"/>
+        <a:cs typeface="+mn-cs"/>
       </a:defRPr>
     </a:lvl2pPr>
-    <a:lvl3pPr marL="914400" algn="l" rtl="0" fontAlgn="base">
-      <a:spcBef>
-        <a:spcPct val="0"/>
-      </a:spcBef>
-      <a:spcAft>
-        <a:spcPct val="0"/>
-      </a:spcAft>
-      <a:defRPr kern="1200">
+    <a:lvl3pPr marL="914400" algn="l" defTabSz="914400" rtl="0" eaLnBrk="1" latinLnBrk="0" hangingPunct="1">
+      <a:defRPr sz="1800" kern="1200">
         <a:solidFill>
           <a:schemeClr val="tx1"/>
         </a:solidFill>
-        <a:latin typeface="Arial" charset="0"/>
+        <a:latin typeface="+mn-lt"/>
         <a:ea typeface="+mn-ea"/>
-        <a:cs typeface="Arial" charset="0"/>
+        <a:cs typeface="+mn-cs"/>
       </a:defRPr>
     </a:lvl3pPr>
-    <a:lvl4pPr marL="1371600" algn="l" rtl="0" fontAlgn="base">
-      <a:spcBef>
-        <a:spcPct val="0"/>
-      </a:spcBef>
-      <a:spcAft>
-        <a:spcPct val="0"/>
-      </a:spcAft>
-      <a:defRPr kern="1200">
+    <a:lvl4pPr marL="1371600" algn="l" defTabSz="914400" rtl="0" eaLnBrk="1" latinLnBrk="0" hangingPunct="1">
+      <a:defRPr sz="1800" kern="1200">
         <a:solidFill>
           <a:schemeClr val="tx1"/>
         </a:solidFill>
-        <a:latin typeface="Arial" charset="0"/>
+        <a:latin typeface="+mn-lt"/>
         <a:ea typeface="+mn-ea"/>
-        <a:cs typeface="Arial" charset="0"/>
+        <a:cs typeface="+mn-cs"/>
       </a:defRPr>
     </a:lvl4pPr>
-    <a:lvl5pPr marL="1828800" algn="l" rtl="0" fontAlgn="base">
-      <a:spcBef>
-        <a:spcPct val="0"/>
-      </a:spcBef>
-      <a:spcAft>
-        <a:spcPct val="0"/>
-      </a:spcAft>
-      <a:defRPr kern="1200">
+    <a:lvl5pPr marL="1828800" algn="l" defTabSz="914400" rtl="0" eaLnBrk="1" latinLnBrk="0" hangingPunct="1">
+      <a:defRPr sz="1800" kern="1200">
         <a:solidFill>
           <a:schemeClr val="tx1"/>
         </a:solidFill>
-        <a:latin typeface="Arial" charset="0"/>
+        <a:latin typeface="+mn-lt"/>
         <a:ea typeface="+mn-ea"/>
-        <a:cs typeface="Arial" charset="0"/>
+        <a:cs typeface="+mn-cs"/>
       </a:defRPr>
     </a:lvl5pPr>
     <a:lvl6pPr marL="2286000" algn="l" defTabSz="914400" rtl="0" eaLnBrk="1" latinLnBrk="0" hangingPunct="1">
-      <a:defRPr kern="1200">
+      <a:defRPr sz="1800" kern="1200">
         <a:solidFill>
           <a:schemeClr val="tx1"/>
         </a:solidFill>
-        <a:latin typeface="Arial" charset="0"/>
+        <a:latin typeface="+mn-lt"/>
         <a:ea typeface="+mn-ea"/>
-        <a:cs typeface="Arial" charset="0"/>
+        <a:cs typeface="+mn-cs"/>
       </a:defRPr>
     </a:lvl6pPr>
     <a:lvl7pPr marL="2743200" algn="l" defTabSz="914400" rtl="0" eaLnBrk="1" latinLnBrk="0" hangingPunct="1">
-      <a:defRPr kern="1200">
+      <a:defRPr sz="1800" kern="1200">
         <a:solidFill>
           <a:schemeClr val="tx1"/>
         </a:solidFill>
-        <a:latin typeface="Arial" charset="0"/>
+        <a:latin typeface="+mn-lt"/>
         <a:ea typeface="+mn-ea"/>
-        <a:cs typeface="Arial" charset="0"/>
+        <a:cs typeface="+mn-cs"/>
       </a:defRPr>
     </a:lvl7pPr>
     <a:lvl8pPr marL="3200400" algn="l" defTabSz="914400" rtl="0" eaLnBrk="1" latinLnBrk="0" hangingPunct="1">
-      <a:defRPr kern="1200">
+      <a:defRPr sz="1800" kern="1200">
         <a:solidFill>
           <a:schemeClr val="tx1"/>
         </a:solidFill>
-        <a:latin typeface="Arial" charset="0"/>
+        <a:latin typeface="+mn-lt"/>
         <a:ea typeface="+mn-ea"/>
-        <a:cs typeface="Arial" charset="0"/>
+        <a:cs typeface="+mn-cs"/>
       </a:defRPr>
     </a:lvl8pPr>
     <a:lvl9pPr marL="3657600" algn="l" defTabSz="914400" rtl="0" eaLnBrk="1" latinLnBrk="0" hangingPunct="1">
-      <a:defRPr kern="1200">
+      <a:defRPr sz="1800" kern="1200">
         <a:solidFill>
           <a:schemeClr val="tx1"/>
         </a:solidFill>
-        <a:latin typeface="Arial" charset="0"/>
+        <a:latin typeface="+mn-lt"/>
         <a:ea typeface="+mn-ea"/>
-        <a:cs typeface="Arial" charset="0"/>
+        <a:cs typeface="+mn-cs"/>
       </a:defRPr>
     </a:lvl9pPr>
   </p:defaultTextStyle>
@@ -316,21 +284,12 @@
         <p:spPr/>
         <p:txBody>
           <a:bodyPr/>
-          <a:lstStyle>
-            <a:lvl1pPr>
-              <a:defRPr/>
-            </a:lvl1pPr>
-          </a:lstStyle>
-          <a:p>
-            <a:pPr>
-              <a:defRPr/>
-            </a:pPr>
-            <a:fld id="{8EA9F07E-DCBE-4EA0-AA6F-88BB3535FDF7}" type="datetimeFigureOut">
-              <a:rPr lang="en-US"/>
-              <a:pPr>
-                <a:defRPr/>
-              </a:pPr>
-              <a:t>8/23/2010</a:t>
+          <a:lstStyle/>
+          <a:p>
+            <a:fld id="{1D8BD707-D9CF-40AE-B4C6-C98DA3205C09}" type="datetimeFigureOut">
+              <a:rPr lang="en-US" smtClean="0"/>
+              <a:pPr/>
+              <a:t>8/1/2011</a:t>
             </a:fld>
             <a:endParaRPr lang="en-US"/>
           </a:p>
@@ -349,15 +308,8 @@
         <p:spPr/>
         <p:txBody>
           <a:bodyPr/>
-          <a:lstStyle>
-            <a:lvl1pPr>
-              <a:defRPr/>
-            </a:lvl1pPr>
-          </a:lstStyle>
-          <a:p>
-            <a:pPr>
-              <a:defRPr/>
-            </a:pPr>
+          <a:lstStyle/>
+          <a:p>
             <a:endParaRPr lang="en-US"/>
           </a:p>
         </p:txBody>
@@ -375,20 +327,11 @@
         <p:spPr/>
         <p:txBody>
           <a:bodyPr/>
-          <a:lstStyle>
-            <a:lvl1pPr>
-              <a:defRPr/>
-            </a:lvl1pPr>
-          </a:lstStyle>
-          <a:p>
-            <a:pPr>
-              <a:defRPr/>
-            </a:pPr>
-            <a:fld id="{E38298C5-62EB-421E-8785-34E569DB6C1A}" type="slidenum">
-              <a:rPr lang="en-US"/>
-              <a:pPr>
-                <a:defRPr/>
-              </a:pPr>
+          <a:lstStyle/>
+          <a:p>
+            <a:fld id="{B6F15528-21DE-4FAA-801E-634DDDAF4B2B}" type="slidenum">
+              <a:rPr lang="en-US" smtClean="0"/>
+              <a:pPr/>
               <a:t>‹#›</a:t>
             </a:fld>
             <a:endParaRPr lang="en-US"/>
@@ -508,21 +451,12 @@
         <p:spPr/>
         <p:txBody>
           <a:bodyPr/>
-          <a:lstStyle>
-            <a:lvl1pPr>
-              <a:defRPr/>
-            </a:lvl1pPr>
-          </a:lstStyle>
-          <a:p>
-            <a:pPr>
-              <a:defRPr/>
-            </a:pPr>
-            <a:fld id="{34EB7E55-700C-472C-97DA-18540656B3AC}" type="datetimeFigureOut">
-              <a:rPr lang="en-US"/>
-              <a:pPr>
-                <a:defRPr/>
-              </a:pPr>
-              <a:t>8/23/2010</a:t>
+          <a:lstStyle/>
+          <a:p>
+            <a:fld id="{1D8BD707-D9CF-40AE-B4C6-C98DA3205C09}" type="datetimeFigureOut">
+              <a:rPr lang="en-US" smtClean="0"/>
+              <a:pPr/>
+              <a:t>8/1/2011</a:t>
             </a:fld>
             <a:endParaRPr lang="en-US"/>
           </a:p>
@@ -541,15 +475,8 @@
         <p:spPr/>
         <p:txBody>
           <a:bodyPr/>
-          <a:lstStyle>
-            <a:lvl1pPr>
-              <a:defRPr/>
-            </a:lvl1pPr>
-          </a:lstStyle>
-          <a:p>
-            <a:pPr>
-              <a:defRPr/>
-            </a:pPr>
+          <a:lstStyle/>
+          <a:p>
             <a:endParaRPr lang="en-US"/>
           </a:p>
         </p:txBody>
@@ -567,20 +494,11 @@
         <p:spPr/>
         <p:txBody>
           <a:bodyPr/>
-          <a:lstStyle>
-            <a:lvl1pPr>
-              <a:defRPr/>
-            </a:lvl1pPr>
-          </a:lstStyle>
-          <a:p>
-            <a:pPr>
-              <a:defRPr/>
-            </a:pPr>
-            <a:fld id="{0318715B-9B1F-4FAF-A7A4-7CB9760F4851}" type="slidenum">
-              <a:rPr lang="en-US"/>
-              <a:pPr>
-                <a:defRPr/>
-              </a:pPr>
+          <a:lstStyle/>
+          <a:p>
+            <a:fld id="{B6F15528-21DE-4FAA-801E-634DDDAF4B2B}" type="slidenum">
+              <a:rPr lang="en-US" smtClean="0"/>
+              <a:pPr/>
               <a:t>‹#›</a:t>
             </a:fld>
             <a:endParaRPr lang="en-US"/>
@@ -710,21 +628,12 @@
         <p:spPr/>
         <p:txBody>
           <a:bodyPr/>
-          <a:lstStyle>
-            <a:lvl1pPr>
-              <a:defRPr/>
-            </a:lvl1pPr>
-          </a:lstStyle>
-          <a:p>
-            <a:pPr>
-              <a:defRPr/>
-            </a:pPr>
-            <a:fld id="{32BC9144-EABE-471B-AD71-220CF4AC6BA1}" type="datetimeFigureOut">
-              <a:rPr lang="en-US"/>
-              <a:pPr>
-                <a:defRPr/>
-              </a:pPr>
-              <a:t>8/23/2010</a:t>
+          <a:lstStyle/>
+          <a:p>
+            <a:fld id="{1D8BD707-D9CF-40AE-B4C6-C98DA3205C09}" type="datetimeFigureOut">
+              <a:rPr lang="en-US" smtClean="0"/>
+              <a:pPr/>
+              <a:t>8/1/2011</a:t>
             </a:fld>
             <a:endParaRPr lang="en-US"/>
           </a:p>
@@ -743,15 +652,8 @@
         <p:spPr/>
         <p:txBody>
           <a:bodyPr/>
-          <a:lstStyle>
-            <a:lvl1pPr>
-              <a:defRPr/>
-            </a:lvl1pPr>
-          </a:lstStyle>
-          <a:p>
-            <a:pPr>
-              <a:defRPr/>
-            </a:pPr>
+          <a:lstStyle/>
+          <a:p>
             <a:endParaRPr lang="en-US"/>
           </a:p>
         </p:txBody>
@@ -769,20 +671,11 @@
         <p:spPr/>
         <p:txBody>
           <a:bodyPr/>
-          <a:lstStyle>
-            <a:lvl1pPr>
-              <a:defRPr/>
-            </a:lvl1pPr>
-          </a:lstStyle>
-          <a:p>
-            <a:pPr>
-              <a:defRPr/>
-            </a:pPr>
-            <a:fld id="{50CE22E7-A6C0-4C5B-B8D7-63BAC80C86B5}" type="slidenum">
-              <a:rPr lang="en-US"/>
-              <a:pPr>
-                <a:defRPr/>
-              </a:pPr>
+          <a:lstStyle/>
+          <a:p>
+            <a:fld id="{B6F15528-21DE-4FAA-801E-634DDDAF4B2B}" type="slidenum">
+              <a:rPr lang="en-US" smtClean="0"/>
+              <a:pPr/>
               <a:t>‹#›</a:t>
             </a:fld>
             <a:endParaRPr lang="en-US"/>
@@ -902,21 +795,12 @@
         <p:spPr/>
         <p:txBody>
           <a:bodyPr/>
-          <a:lstStyle>
-            <a:lvl1pPr>
-              <a:defRPr/>
-            </a:lvl1pPr>
-          </a:lstStyle>
-          <a:p>
-            <a:pPr>
-              <a:defRPr/>
-            </a:pPr>
-            <a:fld id="{48087EFA-F5E6-4ED9-8BEF-D0732A691211}" type="datetimeFigureOut">
-              <a:rPr lang="en-US"/>
-              <a:pPr>
-                <a:defRPr/>
-              </a:pPr>
-              <a:t>8/23/2010</a:t>
+          <a:lstStyle/>
+          <a:p>
+            <a:fld id="{1D8BD707-D9CF-40AE-B4C6-C98DA3205C09}" type="datetimeFigureOut">
+              <a:rPr lang="en-US" smtClean="0"/>
+              <a:pPr/>
+              <a:t>8/1/2011</a:t>
             </a:fld>
             <a:endParaRPr lang="en-US"/>
           </a:p>
@@ -935,15 +819,8 @@
         <p:spPr/>
         <p:txBody>
           <a:bodyPr/>
-          <a:lstStyle>
-            <a:lvl1pPr>
-              <a:defRPr/>
-            </a:lvl1pPr>
-          </a:lstStyle>
-          <a:p>
-            <a:pPr>
-              <a:defRPr/>
-            </a:pPr>
+          <a:lstStyle/>
+          <a:p>
             <a:endParaRPr lang="en-US"/>
           </a:p>
         </p:txBody>
@@ -961,20 +838,11 @@
         <p:spPr/>
         <p:txBody>
           <a:bodyPr/>
-          <a:lstStyle>
-            <a:lvl1pPr>
-              <a:defRPr/>
-            </a:lvl1pPr>
-          </a:lstStyle>
-          <a:p>
-            <a:pPr>
-              <a:defRPr/>
-            </a:pPr>
-            <a:fld id="{C71BDB46-7E48-4B15-95B3-78B6AD417926}" type="slidenum">
-              <a:rPr lang="en-US"/>
-              <a:pPr>
-                <a:defRPr/>
-              </a:pPr>
+          <a:lstStyle/>
+          <a:p>
+            <a:fld id="{B6F15528-21DE-4FAA-801E-634DDDAF4B2B}" type="slidenum">
+              <a:rPr lang="en-US" smtClean="0"/>
+              <a:pPr/>
               <a:t>‹#›</a:t>
             </a:fld>
             <a:endParaRPr lang="en-US"/>
@@ -1170,21 +1038,12 @@
         <p:spPr/>
         <p:txBody>
           <a:bodyPr/>
-          <a:lstStyle>
-            <a:lvl1pPr>
-              <a:defRPr/>
-            </a:lvl1pPr>
-          </a:lstStyle>
-          <a:p>
-            <a:pPr>
-              <a:defRPr/>
-            </a:pPr>
-            <a:fld id="{58BB429F-E88C-40E8-9A46-A062197F7D47}" type="datetimeFigureOut">
-              <a:rPr lang="en-US"/>
-              <a:pPr>
-                <a:defRPr/>
-              </a:pPr>
-              <a:t>8/23/2010</a:t>
+          <a:lstStyle/>
+          <a:p>
+            <a:fld id="{1D8BD707-D9CF-40AE-B4C6-C98DA3205C09}" type="datetimeFigureOut">
+              <a:rPr lang="en-US" smtClean="0"/>
+              <a:pPr/>
+              <a:t>8/1/2011</a:t>
             </a:fld>
             <a:endParaRPr lang="en-US"/>
           </a:p>
@@ -1203,15 +1062,8 @@
         <p:spPr/>
         <p:txBody>
           <a:bodyPr/>
-          <a:lstStyle>
-            <a:lvl1pPr>
-              <a:defRPr/>
-            </a:lvl1pPr>
-          </a:lstStyle>
-          <a:p>
-            <a:pPr>
-              <a:defRPr/>
-            </a:pPr>
+          <a:lstStyle/>
+          <a:p>
             <a:endParaRPr lang="en-US"/>
           </a:p>
         </p:txBody>
@@ -1229,20 +1081,11 @@
         <p:spPr/>
         <p:txBody>
           <a:bodyPr/>
-          <a:lstStyle>
-            <a:lvl1pPr>
-              <a:defRPr/>
-            </a:lvl1pPr>
-          </a:lstStyle>
-          <a:p>
-            <a:pPr>
-              <a:defRPr/>
-            </a:pPr>
-            <a:fld id="{B6662664-2939-4A59-9890-71B203A3525A}" type="slidenum">
-              <a:rPr lang="en-US"/>
-              <a:pPr>
-                <a:defRPr/>
-              </a:pPr>
+          <a:lstStyle/>
+          <a:p>
+            <a:fld id="{B6F15528-21DE-4FAA-801E-634DDDAF4B2B}" type="slidenum">
+              <a:rPr lang="en-US" smtClean="0"/>
+              <a:pPr/>
               <a:t>‹#›</a:t>
             </a:fld>
             <a:endParaRPr lang="en-US"/>
@@ -1469,7 +1312,7 @@
       </p:sp>
       <p:sp>
         <p:nvSpPr>
-          <p:cNvPr id="5" name="Date Placeholder 3"/>
+          <p:cNvPr id="5" name="Date Placeholder 4"/>
           <p:cNvSpPr>
             <a:spLocks noGrp="1"/>
           </p:cNvSpPr>
@@ -1480,21 +1323,12 @@
         <p:spPr/>
         <p:txBody>
           <a:bodyPr/>
-          <a:lstStyle>
-            <a:lvl1pPr>
-              <a:defRPr/>
-            </a:lvl1pPr>
-          </a:lstStyle>
-          <a:p>
-            <a:pPr>
-              <a:defRPr/>
-            </a:pPr>
-            <a:fld id="{F360A4DD-0E24-48D1-BE12-6D169AADAAAF}" type="datetimeFigureOut">
-              <a:rPr lang="en-US"/>
-              <a:pPr>
-                <a:defRPr/>
-              </a:pPr>
-              <a:t>8/23/2010</a:t>
+          <a:lstStyle/>
+          <a:p>
+            <a:fld id="{1D8BD707-D9CF-40AE-B4C6-C98DA3205C09}" type="datetimeFigureOut">
+              <a:rPr lang="en-US" smtClean="0"/>
+              <a:pPr/>
+              <a:t>8/1/2011</a:t>
             </a:fld>
             <a:endParaRPr lang="en-US"/>
           </a:p>
@@ -1502,7 +1336,7 @@
       </p:sp>
       <p:sp>
         <p:nvSpPr>
-          <p:cNvPr id="6" name="Footer Placeholder 4"/>
+          <p:cNvPr id="6" name="Footer Placeholder 5"/>
           <p:cNvSpPr>
             <a:spLocks noGrp="1"/>
           </p:cNvSpPr>
@@ -1513,22 +1347,15 @@
         <p:spPr/>
         <p:txBody>
           <a:bodyPr/>
-          <a:lstStyle>
-            <a:lvl1pPr>
-              <a:defRPr/>
-            </a:lvl1pPr>
-          </a:lstStyle>
-          <a:p>
-            <a:pPr>
-              <a:defRPr/>
-            </a:pPr>
-            <a:endParaRPr lang="en-US"/>
-          </a:p>
-        </p:txBody>
-      </p:sp>
-      <p:sp>
-        <p:nvSpPr>
-          <p:cNvPr id="7" name="Slide Number Placeholder 5"/>
+          <a:lstStyle/>
+          <a:p>
+            <a:endParaRPr lang="en-US"/>
+          </a:p>
+        </p:txBody>
+      </p:sp>
+      <p:sp>
+        <p:nvSpPr>
+          <p:cNvPr id="7" name="Slide Number Placeholder 6"/>
           <p:cNvSpPr>
             <a:spLocks noGrp="1"/>
           </p:cNvSpPr>
@@ -1539,20 +1366,11 @@
         <p:spPr/>
         <p:txBody>
           <a:bodyPr/>
-          <a:lstStyle>
-            <a:lvl1pPr>
-              <a:defRPr/>
-            </a:lvl1pPr>
-          </a:lstStyle>
-          <a:p>
-            <a:pPr>
-              <a:defRPr/>
-            </a:pPr>
-            <a:fld id="{38B6B8F3-E54B-4CA0-AD63-5AD86E572575}" type="slidenum">
-              <a:rPr lang="en-US"/>
-              <a:pPr>
-                <a:defRPr/>
-              </a:pPr>
+          <a:lstStyle/>
+          <a:p>
+            <a:fld id="{B6F15528-21DE-4FAA-801E-634DDDAF4B2B}" type="slidenum">
+              <a:rPr lang="en-US" smtClean="0"/>
+              <a:pPr/>
               <a:t>‹#›</a:t>
             </a:fld>
             <a:endParaRPr lang="en-US"/>
@@ -1913,7 +1731,7 @@
       </p:sp>
       <p:sp>
         <p:nvSpPr>
-          <p:cNvPr id="7" name="Date Placeholder 3"/>
+          <p:cNvPr id="7" name="Date Placeholder 6"/>
           <p:cNvSpPr>
             <a:spLocks noGrp="1"/>
           </p:cNvSpPr>
@@ -1924,21 +1742,12 @@
         <p:spPr/>
         <p:txBody>
           <a:bodyPr/>
-          <a:lstStyle>
-            <a:lvl1pPr>
-              <a:defRPr/>
-            </a:lvl1pPr>
-          </a:lstStyle>
-          <a:p>
-            <a:pPr>
-              <a:defRPr/>
-            </a:pPr>
-            <a:fld id="{235BC742-D092-4B73-B470-4E5FB5EC6B82}" type="datetimeFigureOut">
-              <a:rPr lang="en-US"/>
-              <a:pPr>
-                <a:defRPr/>
-              </a:pPr>
-              <a:t>8/23/2010</a:t>
+          <a:lstStyle/>
+          <a:p>
+            <a:fld id="{1D8BD707-D9CF-40AE-B4C6-C98DA3205C09}" type="datetimeFigureOut">
+              <a:rPr lang="en-US" smtClean="0"/>
+              <a:pPr/>
+              <a:t>8/1/2011</a:t>
             </a:fld>
             <a:endParaRPr lang="en-US"/>
           </a:p>
@@ -1946,7 +1755,7 @@
       </p:sp>
       <p:sp>
         <p:nvSpPr>
-          <p:cNvPr id="8" name="Footer Placeholder 4"/>
+          <p:cNvPr id="8" name="Footer Placeholder 7"/>
           <p:cNvSpPr>
             <a:spLocks noGrp="1"/>
           </p:cNvSpPr>
@@ -1957,22 +1766,15 @@
         <p:spPr/>
         <p:txBody>
           <a:bodyPr/>
-          <a:lstStyle>
-            <a:lvl1pPr>
-              <a:defRPr/>
-            </a:lvl1pPr>
-          </a:lstStyle>
-          <a:p>
-            <a:pPr>
-              <a:defRPr/>
-            </a:pPr>
-            <a:endParaRPr lang="en-US"/>
-          </a:p>
-        </p:txBody>
-      </p:sp>
-      <p:sp>
-        <p:nvSpPr>
-          <p:cNvPr id="9" name="Slide Number Placeholder 5"/>
+          <a:lstStyle/>
+          <a:p>
+            <a:endParaRPr lang="en-US"/>
+          </a:p>
+        </p:txBody>
+      </p:sp>
+      <p:sp>
+        <p:nvSpPr>
+          <p:cNvPr id="9" name="Slide Number Placeholder 8"/>
           <p:cNvSpPr>
             <a:spLocks noGrp="1"/>
           </p:cNvSpPr>
@@ -1983,20 +1785,11 @@
         <p:spPr/>
         <p:txBody>
           <a:bodyPr/>
-          <a:lstStyle>
-            <a:lvl1pPr>
-              <a:defRPr/>
-            </a:lvl1pPr>
-          </a:lstStyle>
-          <a:p>
-            <a:pPr>
-              <a:defRPr/>
-            </a:pPr>
-            <a:fld id="{FD3E7D09-CE8C-4AB2-BF9C-F38C93AF9BEE}" type="slidenum">
-              <a:rPr lang="en-US"/>
-              <a:pPr>
-                <a:defRPr/>
-              </a:pPr>
+          <a:lstStyle/>
+          <a:p>
+            <a:fld id="{B6F15528-21DE-4FAA-801E-634DDDAF4B2B}" type="slidenum">
+              <a:rPr lang="en-US" smtClean="0"/>
+              <a:pPr/>
               <a:t>‹#›</a:t>
             </a:fld>
             <a:endParaRPr lang="en-US"/>
@@ -2053,7 +1846,7 @@
       </p:sp>
       <p:sp>
         <p:nvSpPr>
-          <p:cNvPr id="3" name="Date Placeholder 3"/>
+          <p:cNvPr id="3" name="Date Placeholder 2"/>
           <p:cNvSpPr>
             <a:spLocks noGrp="1"/>
           </p:cNvSpPr>
@@ -2064,21 +1857,12 @@
         <p:spPr/>
         <p:txBody>
           <a:bodyPr/>
-          <a:lstStyle>
-            <a:lvl1pPr>
-              <a:defRPr/>
-            </a:lvl1pPr>
-          </a:lstStyle>
-          <a:p>
-            <a:pPr>
-              <a:defRPr/>
-            </a:pPr>
-            <a:fld id="{0FF6F321-17C1-4B88-A715-DEF6275F3632}" type="datetimeFigureOut">
-              <a:rPr lang="en-US"/>
-              <a:pPr>
-                <a:defRPr/>
-              </a:pPr>
-              <a:t>8/23/2010</a:t>
+          <a:lstStyle/>
+          <a:p>
+            <a:fld id="{1D8BD707-D9CF-40AE-B4C6-C98DA3205C09}" type="datetimeFigureOut">
+              <a:rPr lang="en-US" smtClean="0"/>
+              <a:pPr/>
+              <a:t>8/1/2011</a:t>
             </a:fld>
             <a:endParaRPr lang="en-US"/>
           </a:p>
@@ -2086,7 +1870,7 @@
       </p:sp>
       <p:sp>
         <p:nvSpPr>
-          <p:cNvPr id="4" name="Footer Placeholder 4"/>
+          <p:cNvPr id="4" name="Footer Placeholder 3"/>
           <p:cNvSpPr>
             <a:spLocks noGrp="1"/>
           </p:cNvSpPr>
@@ -2097,22 +1881,15 @@
         <p:spPr/>
         <p:txBody>
           <a:bodyPr/>
-          <a:lstStyle>
-            <a:lvl1pPr>
-              <a:defRPr/>
-            </a:lvl1pPr>
-          </a:lstStyle>
-          <a:p>
-            <a:pPr>
-              <a:defRPr/>
-            </a:pPr>
-            <a:endParaRPr lang="en-US"/>
-          </a:p>
-        </p:txBody>
-      </p:sp>
-      <p:sp>
-        <p:nvSpPr>
-          <p:cNvPr id="5" name="Slide Number Placeholder 5"/>
+          <a:lstStyle/>
+          <a:p>
+            <a:endParaRPr lang="en-US"/>
+          </a:p>
+        </p:txBody>
+      </p:sp>
+      <p:sp>
+        <p:nvSpPr>
+          <p:cNvPr id="5" name="Slide Number Placeholder 4"/>
           <p:cNvSpPr>
             <a:spLocks noGrp="1"/>
           </p:cNvSpPr>
@@ -2123,20 +1900,11 @@
         <p:spPr/>
         <p:txBody>
           <a:bodyPr/>
-          <a:lstStyle>
-            <a:lvl1pPr>
-              <a:defRPr/>
-            </a:lvl1pPr>
-          </a:lstStyle>
-          <a:p>
-            <a:pPr>
-              <a:defRPr/>
-            </a:pPr>
-            <a:fld id="{12840AC3-418D-42A1-A377-E4B1E0A7FF80}" type="slidenum">
-              <a:rPr lang="en-US"/>
-              <a:pPr>
-                <a:defRPr/>
-              </a:pPr>
+          <a:lstStyle/>
+          <a:p>
+            <a:fld id="{B6F15528-21DE-4FAA-801E-634DDDAF4B2B}" type="slidenum">
+              <a:rPr lang="en-US" smtClean="0"/>
+              <a:pPr/>
               <a:t>‹#›</a:t>
             </a:fld>
             <a:endParaRPr lang="en-US"/>
@@ -2170,7 +1938,7 @@
       </p:grpSpPr>
       <p:sp>
         <p:nvSpPr>
-          <p:cNvPr id="2" name="Date Placeholder 3"/>
+          <p:cNvPr id="2" name="Date Placeholder 1"/>
           <p:cNvSpPr>
             <a:spLocks noGrp="1"/>
           </p:cNvSpPr>
@@ -2181,21 +1949,12 @@
         <p:spPr/>
         <p:txBody>
           <a:bodyPr/>
-          <a:lstStyle>
-            <a:lvl1pPr>
-              <a:defRPr/>
-            </a:lvl1pPr>
-          </a:lstStyle>
-          <a:p>
-            <a:pPr>
-              <a:defRPr/>
-            </a:pPr>
-            <a:fld id="{BF797A2B-F0EC-46A3-AF62-6EC8083DDECC}" type="datetimeFigureOut">
-              <a:rPr lang="en-US"/>
-              <a:pPr>
-                <a:defRPr/>
-              </a:pPr>
-              <a:t>8/23/2010</a:t>
+          <a:lstStyle/>
+          <a:p>
+            <a:fld id="{1D8BD707-D9CF-40AE-B4C6-C98DA3205C09}" type="datetimeFigureOut">
+              <a:rPr lang="en-US" smtClean="0"/>
+              <a:pPr/>
+              <a:t>8/1/2011</a:t>
             </a:fld>
             <a:endParaRPr lang="en-US"/>
           </a:p>
@@ -2203,7 +1962,7 @@
       </p:sp>
       <p:sp>
         <p:nvSpPr>
-          <p:cNvPr id="3" name="Footer Placeholder 4"/>
+          <p:cNvPr id="3" name="Footer Placeholder 2"/>
           <p:cNvSpPr>
             <a:spLocks noGrp="1"/>
           </p:cNvSpPr>
@@ -2214,22 +1973,15 @@
         <p:spPr/>
         <p:txBody>
           <a:bodyPr/>
-          <a:lstStyle>
-            <a:lvl1pPr>
-              <a:defRPr/>
-            </a:lvl1pPr>
-          </a:lstStyle>
-          <a:p>
-            <a:pPr>
-              <a:defRPr/>
-            </a:pPr>
-            <a:endParaRPr lang="en-US"/>
-          </a:p>
-        </p:txBody>
-      </p:sp>
-      <p:sp>
-        <p:nvSpPr>
-          <p:cNvPr id="4" name="Slide Number Placeholder 5"/>
+          <a:lstStyle/>
+          <a:p>
+            <a:endParaRPr lang="en-US"/>
+          </a:p>
+        </p:txBody>
+      </p:sp>
+      <p:sp>
+        <p:nvSpPr>
+          <p:cNvPr id="4" name="Slide Number Placeholder 3"/>
           <p:cNvSpPr>
             <a:spLocks noGrp="1"/>
           </p:cNvSpPr>
@@ -2240,20 +1992,11 @@
         <p:spPr/>
         <p:txBody>
           <a:bodyPr/>
-          <a:lstStyle>
-            <a:lvl1pPr>
-              <a:defRPr/>
-            </a:lvl1pPr>
-          </a:lstStyle>
-          <a:p>
-            <a:pPr>
-              <a:defRPr/>
-            </a:pPr>
-            <a:fld id="{B654AE6D-BD4E-46F6-A96F-CA3796EDAA17}" type="slidenum">
-              <a:rPr lang="en-US"/>
-              <a:pPr>
-                <a:defRPr/>
-              </a:pPr>
+          <a:lstStyle/>
+          <a:p>
+            <a:fld id="{B6F15528-21DE-4FAA-801E-634DDDAF4B2B}" type="slidenum">
+              <a:rPr lang="en-US" smtClean="0"/>
+              <a:pPr/>
               <a:t>‹#›</a:t>
             </a:fld>
             <a:endParaRPr lang="en-US"/>
@@ -2469,7 +2212,7 @@
       </p:sp>
       <p:sp>
         <p:nvSpPr>
-          <p:cNvPr id="5" name="Date Placeholder 3"/>
+          <p:cNvPr id="5" name="Date Placeholder 4"/>
           <p:cNvSpPr>
             <a:spLocks noGrp="1"/>
           </p:cNvSpPr>
@@ -2480,21 +2223,12 @@
         <p:spPr/>
         <p:txBody>
           <a:bodyPr/>
-          <a:lstStyle>
-            <a:lvl1pPr>
-              <a:defRPr/>
-            </a:lvl1pPr>
-          </a:lstStyle>
-          <a:p>
-            <a:pPr>
-              <a:defRPr/>
-            </a:pPr>
-            <a:fld id="{E4091038-62C0-4F9C-ABC2-E253C5AB1410}" type="datetimeFigureOut">
-              <a:rPr lang="en-US"/>
-              <a:pPr>
-                <a:defRPr/>
-              </a:pPr>
-              <a:t>8/23/2010</a:t>
+          <a:lstStyle/>
+          <a:p>
+            <a:fld id="{1D8BD707-D9CF-40AE-B4C6-C98DA3205C09}" type="datetimeFigureOut">
+              <a:rPr lang="en-US" smtClean="0"/>
+              <a:pPr/>
+              <a:t>8/1/2011</a:t>
             </a:fld>
             <a:endParaRPr lang="en-US"/>
           </a:p>
@@ -2502,7 +2236,7 @@
       </p:sp>
       <p:sp>
         <p:nvSpPr>
-          <p:cNvPr id="6" name="Footer Placeholder 4"/>
+          <p:cNvPr id="6" name="Footer Placeholder 5"/>
           <p:cNvSpPr>
             <a:spLocks noGrp="1"/>
           </p:cNvSpPr>
@@ -2513,22 +2247,15 @@
         <p:spPr/>
         <p:txBody>
           <a:bodyPr/>
-          <a:lstStyle>
-            <a:lvl1pPr>
-              <a:defRPr/>
-            </a:lvl1pPr>
-          </a:lstStyle>
-          <a:p>
-            <a:pPr>
-              <a:defRPr/>
-            </a:pPr>
-            <a:endParaRPr lang="en-US"/>
-          </a:p>
-        </p:txBody>
-      </p:sp>
-      <p:sp>
-        <p:nvSpPr>
-          <p:cNvPr id="7" name="Slide Number Placeholder 5"/>
+          <a:lstStyle/>
+          <a:p>
+            <a:endParaRPr lang="en-US"/>
+          </a:p>
+        </p:txBody>
+      </p:sp>
+      <p:sp>
+        <p:nvSpPr>
+          <p:cNvPr id="7" name="Slide Number Placeholder 6"/>
           <p:cNvSpPr>
             <a:spLocks noGrp="1"/>
           </p:cNvSpPr>
@@ -2539,20 +2266,11 @@
         <p:spPr/>
         <p:txBody>
           <a:bodyPr/>
-          <a:lstStyle>
-            <a:lvl1pPr>
-              <a:defRPr/>
-            </a:lvl1pPr>
-          </a:lstStyle>
-          <a:p>
-            <a:pPr>
-              <a:defRPr/>
-            </a:pPr>
-            <a:fld id="{B835B834-A3C5-492C-A143-6EFC369EA55B}" type="slidenum">
-              <a:rPr lang="en-US"/>
-              <a:pPr>
-                <a:defRPr/>
-              </a:pPr>
+          <a:lstStyle/>
+          <a:p>
+            <a:fld id="{B6F15528-21DE-4FAA-801E-634DDDAF4B2B}" type="slidenum">
+              <a:rPr lang="en-US" smtClean="0"/>
+              <a:pPr/>
               <a:t>‹#›</a:t>
             </a:fld>
             <a:endParaRPr lang="en-US"/>
@@ -2633,9 +2351,7 @@
           </a:xfrm>
         </p:spPr>
         <p:txBody>
-          <a:bodyPr rtlCol="0">
-            <a:normAutofit/>
-          </a:bodyPr>
+          <a:bodyPr/>
           <a:lstStyle>
             <a:lvl1pPr marL="0" indent="0">
               <a:buNone/>
@@ -2675,8 +2391,7 @@
             </a:lvl9pPr>
           </a:lstStyle>
           <a:p>
-            <a:pPr lvl="0"/>
-            <a:endParaRPr lang="en-US" noProof="0"/>
+            <a:endParaRPr lang="en-US"/>
           </a:p>
         </p:txBody>
       </p:sp>
@@ -2747,7 +2462,7 @@
       </p:sp>
       <p:sp>
         <p:nvSpPr>
-          <p:cNvPr id="5" name="Date Placeholder 3"/>
+          <p:cNvPr id="5" name="Date Placeholder 4"/>
           <p:cNvSpPr>
             <a:spLocks noGrp="1"/>
           </p:cNvSpPr>
@@ -2758,21 +2473,12 @@
         <p:spPr/>
         <p:txBody>
           <a:bodyPr/>
-          <a:lstStyle>
-            <a:lvl1pPr>
-              <a:defRPr/>
-            </a:lvl1pPr>
-          </a:lstStyle>
-          <a:p>
-            <a:pPr>
-              <a:defRPr/>
-            </a:pPr>
-            <a:fld id="{F82761C6-6C1A-4AF7-ADDE-849A0AAAE455}" type="datetimeFigureOut">
-              <a:rPr lang="en-US"/>
-              <a:pPr>
-                <a:defRPr/>
-              </a:pPr>
-              <a:t>8/23/2010</a:t>
+          <a:lstStyle/>
+          <a:p>
+            <a:fld id="{1D8BD707-D9CF-40AE-B4C6-C98DA3205C09}" type="datetimeFigureOut">
+              <a:rPr lang="en-US" smtClean="0"/>
+              <a:pPr/>
+              <a:t>8/1/2011</a:t>
             </a:fld>
             <a:endParaRPr lang="en-US"/>
           </a:p>
@@ -2780,7 +2486,7 @@
       </p:sp>
       <p:sp>
         <p:nvSpPr>
-          <p:cNvPr id="6" name="Footer Placeholder 4"/>
+          <p:cNvPr id="6" name="Footer Placeholder 5"/>
           <p:cNvSpPr>
             <a:spLocks noGrp="1"/>
           </p:cNvSpPr>
@@ -2791,22 +2497,15 @@
         <p:spPr/>
         <p:txBody>
           <a:bodyPr/>
-          <a:lstStyle>
-            <a:lvl1pPr>
-              <a:defRPr/>
-            </a:lvl1pPr>
-          </a:lstStyle>
-          <a:p>
-            <a:pPr>
-              <a:defRPr/>
-            </a:pPr>
-            <a:endParaRPr lang="en-US"/>
-          </a:p>
-        </p:txBody>
-      </p:sp>
-      <p:sp>
-        <p:nvSpPr>
-          <p:cNvPr id="7" name="Slide Number Placeholder 5"/>
+          <a:lstStyle/>
+          <a:p>
+            <a:endParaRPr lang="en-US"/>
+          </a:p>
+        </p:txBody>
+      </p:sp>
+      <p:sp>
+        <p:nvSpPr>
+          <p:cNvPr id="7" name="Slide Number Placeholder 6"/>
           <p:cNvSpPr>
             <a:spLocks noGrp="1"/>
           </p:cNvSpPr>
@@ -2817,20 +2516,11 @@
         <p:spPr/>
         <p:txBody>
           <a:bodyPr/>
-          <a:lstStyle>
-            <a:lvl1pPr>
-              <a:defRPr/>
-            </a:lvl1pPr>
-          </a:lstStyle>
-          <a:p>
-            <a:pPr>
-              <a:defRPr/>
-            </a:pPr>
-            <a:fld id="{835BFFD5-6AA3-434C-9733-7A8245B36C12}" type="slidenum">
-              <a:rPr lang="en-US"/>
-              <a:pPr>
-                <a:defRPr/>
-              </a:pPr>
+          <a:lstStyle/>
+          <a:p>
+            <a:fld id="{B6F15528-21DE-4FAA-801E-634DDDAF4B2B}" type="slidenum">
+              <a:rPr lang="en-US" smtClean="0"/>
+              <a:pPr/>
               <a:t>‹#›</a:t>
             </a:fld>
             <a:endParaRPr lang="en-US"/>
@@ -2869,7 +2559,7 @@
       </p:grpSpPr>
       <p:sp>
         <p:nvSpPr>
-          <p:cNvPr id="1026" name="Title Placeholder 1"/>
+          <p:cNvPr id="2" name="Title Placeholder 1"/>
           <p:cNvSpPr>
             <a:spLocks noGrp="1"/>
           </p:cNvSpPr>
@@ -2877,7 +2567,7 @@
             <p:ph type="title"/>
           </p:nvPr>
         </p:nvSpPr>
-        <p:spPr bwMode="auto">
+        <p:spPr>
           <a:xfrm>
             <a:off x="457200" y="274638"/>
             <a:ext cx="8229600" cy="1143000"/>
@@ -2885,33 +2575,24 @@
           <a:prstGeom prst="rect">
             <a:avLst/>
           </a:prstGeom>
-          <a:noFill/>
-          <a:ln w="9525">
-            <a:noFill/>
-            <a:miter lim="800000"/>
-            <a:headEnd/>
-            <a:tailEnd/>
-          </a:ln>
         </p:spPr>
         <p:txBody>
-          <a:bodyPr vert="horz" wrap="square" lIns="91440" tIns="45720" rIns="91440" bIns="45720" numCol="1" anchor="ctr" anchorCtr="0" compatLnSpc="1">
-            <a:prstTxWarp prst="textNoShape">
-              <a:avLst/>
-            </a:prstTxWarp>
+          <a:bodyPr vert="horz" lIns="91440" tIns="45720" rIns="91440" bIns="45720" rtlCol="0" anchor="ctr">
+            <a:normAutofit/>
           </a:bodyPr>
           <a:lstStyle/>
           <a:p>
-            <a:pPr lvl="0"/>
             <a:r>
               <a:rPr lang="en-US" smtClean="0"/>
               <a:t>Click to edit Master title style</a:t>
             </a:r>
-          </a:p>
-        </p:txBody>
-      </p:sp>
-      <p:sp>
-        <p:nvSpPr>
-          <p:cNvPr id="1027" name="Text Placeholder 2"/>
+            <a:endParaRPr lang="en-US"/>
+          </a:p>
+        </p:txBody>
+      </p:sp>
+      <p:sp>
+        <p:nvSpPr>
+          <p:cNvPr id="3" name="Text Placeholder 2"/>
           <p:cNvSpPr>
             <a:spLocks noGrp="1"/>
           </p:cNvSpPr>
@@ -2919,7 +2600,7 @@
             <p:ph type="body" idx="1"/>
           </p:nvPr>
         </p:nvSpPr>
-        <p:spPr bwMode="auto">
+        <p:spPr>
           <a:xfrm>
             <a:off x="457200" y="1600200"/>
             <a:ext cx="8229600" cy="4525963"/>
@@ -2927,19 +2608,10 @@
           <a:prstGeom prst="rect">
             <a:avLst/>
           </a:prstGeom>
-          <a:noFill/>
-          <a:ln w="9525">
-            <a:noFill/>
-            <a:miter lim="800000"/>
-            <a:headEnd/>
-            <a:tailEnd/>
-          </a:ln>
         </p:spPr>
         <p:txBody>
-          <a:bodyPr vert="horz" wrap="square" lIns="91440" tIns="45720" rIns="91440" bIns="45720" numCol="1" anchor="t" anchorCtr="0" compatLnSpc="1">
-            <a:prstTxWarp prst="textNoShape">
-              <a:avLst/>
-            </a:prstTxWarp>
+          <a:bodyPr vert="horz" lIns="91440" tIns="45720" rIns="91440" bIns="45720" rtlCol="0">
+            <a:normAutofit/>
           </a:bodyPr>
           <a:lstStyle/>
           <a:p>
@@ -2976,6 +2648,7 @@
               <a:rPr lang="en-US" smtClean="0"/>
               <a:t>Fifth level</a:t>
             </a:r>
+            <a:endParaRPr lang="en-US"/>
           </a:p>
         </p:txBody>
       </p:sp>
@@ -3001,34 +2674,21 @@
         <p:txBody>
           <a:bodyPr vert="horz" lIns="91440" tIns="45720" rIns="91440" bIns="45720" rtlCol="0" anchor="ctr"/>
           <a:lstStyle>
-            <a:lvl1pPr algn="l" fontAlgn="auto">
-              <a:spcBef>
-                <a:spcPts val="0"/>
-              </a:spcBef>
-              <a:spcAft>
-                <a:spcPts val="0"/>
-              </a:spcAft>
+            <a:lvl1pPr algn="l">
               <a:defRPr sz="1200">
                 <a:solidFill>
                   <a:schemeClr val="tx1">
                     <a:tint val="75000"/>
                   </a:schemeClr>
                 </a:solidFill>
-                <a:latin typeface="+mn-lt"/>
-                <a:cs typeface="+mn-cs"/>
               </a:defRPr>
             </a:lvl1pPr>
           </a:lstStyle>
           <a:p>
-            <a:pPr>
-              <a:defRPr/>
-            </a:pPr>
-            <a:fld id="{30E558F9-1BA8-422C-94B7-1DAB7E61D4BC}" type="datetimeFigureOut">
-              <a:rPr lang="en-US"/>
-              <a:pPr>
-                <a:defRPr/>
-              </a:pPr>
-              <a:t>8/23/2010</a:t>
+            <a:fld id="{1D8BD707-D9CF-40AE-B4C6-C98DA3205C09}" type="datetimeFigureOut">
+              <a:rPr lang="en-US" smtClean="0"/>
+              <a:pPr/>
+              <a:t>8/1/2011</a:t>
             </a:fld>
             <a:endParaRPr lang="en-US"/>
           </a:p>
@@ -3056,28 +2716,17 @@
         <p:txBody>
           <a:bodyPr vert="horz" lIns="91440" tIns="45720" rIns="91440" bIns="45720" rtlCol="0" anchor="ctr"/>
           <a:lstStyle>
-            <a:lvl1pPr algn="ctr" fontAlgn="auto">
-              <a:spcBef>
-                <a:spcPts val="0"/>
-              </a:spcBef>
-              <a:spcAft>
-                <a:spcPts val="0"/>
-              </a:spcAft>
+            <a:lvl1pPr algn="ctr">
               <a:defRPr sz="1200">
                 <a:solidFill>
                   <a:schemeClr val="tx1">
                     <a:tint val="75000"/>
                   </a:schemeClr>
                 </a:solidFill>
-                <a:latin typeface="+mn-lt"/>
-                <a:cs typeface="+mn-cs"/>
               </a:defRPr>
             </a:lvl1pPr>
           </a:lstStyle>
           <a:p>
-            <a:pPr>
-              <a:defRPr/>
-            </a:pPr>
             <a:endParaRPr lang="en-US"/>
           </a:p>
         </p:txBody>
@@ -3104,33 +2753,20 @@
         <p:txBody>
           <a:bodyPr vert="horz" lIns="91440" tIns="45720" rIns="91440" bIns="45720" rtlCol="0" anchor="ctr"/>
           <a:lstStyle>
-            <a:lvl1pPr algn="r" fontAlgn="auto">
-              <a:spcBef>
-                <a:spcPts val="0"/>
-              </a:spcBef>
-              <a:spcAft>
-                <a:spcPts val="0"/>
-              </a:spcAft>
+            <a:lvl1pPr algn="r">
               <a:defRPr sz="1200">
                 <a:solidFill>
                   <a:schemeClr val="tx1">
                     <a:tint val="75000"/>
                   </a:schemeClr>
                 </a:solidFill>
-                <a:latin typeface="+mn-lt"/>
-                <a:cs typeface="+mn-cs"/>
               </a:defRPr>
             </a:lvl1pPr>
           </a:lstStyle>
           <a:p>
-            <a:pPr>
-              <a:defRPr/>
-            </a:pPr>
-            <a:fld id="{7C16C103-BA4B-4356-A436-944F89A1A5A2}" type="slidenum">
-              <a:rPr lang="en-US"/>
-              <a:pPr>
-                <a:defRPr/>
-              </a:pPr>
+            <a:fld id="{B6F15528-21DE-4FAA-801E-634DDDAF4B2B}" type="slidenum">
+              <a:rPr lang="en-US" smtClean="0"/>
+              <a:pPr/>
               <a:t>‹#›</a:t>
             </a:fld>
             <a:endParaRPr lang="en-US"/>
@@ -3155,13 +2791,11 @@
   </p:sldLayoutIdLst>
   <p:txStyles>
     <p:titleStyle>
-      <a:lvl1pPr algn="ctr" rtl="0" eaLnBrk="0" fontAlgn="base" hangingPunct="0">
+      <a:lvl1pPr algn="ctr" defTabSz="914400" rtl="0" eaLnBrk="1" latinLnBrk="0" hangingPunct="1">
         <a:spcBef>
           <a:spcPct val="0"/>
         </a:spcBef>
-        <a:spcAft>
-          <a:spcPct val="0"/>
-        </a:spcAft>
+        <a:buNone/>
         <a:defRPr sz="4400" kern="1200">
           <a:solidFill>
             <a:schemeClr val="tx1"/>
@@ -3171,128 +2805,13 @@
           <a:cs typeface="+mj-cs"/>
         </a:defRPr>
       </a:lvl1pPr>
-      <a:lvl2pPr algn="ctr" rtl="0" eaLnBrk="0" fontAlgn="base" hangingPunct="0">
-        <a:spcBef>
-          <a:spcPct val="0"/>
-        </a:spcBef>
-        <a:spcAft>
-          <a:spcPct val="0"/>
-        </a:spcAft>
-        <a:defRPr sz="4400">
-          <a:solidFill>
-            <a:schemeClr val="tx1"/>
-          </a:solidFill>
-          <a:latin typeface="Calibri" pitchFamily="34" charset="0"/>
-        </a:defRPr>
-      </a:lvl2pPr>
-      <a:lvl3pPr algn="ctr" rtl="0" eaLnBrk="0" fontAlgn="base" hangingPunct="0">
-        <a:spcBef>
-          <a:spcPct val="0"/>
-        </a:spcBef>
-        <a:spcAft>
-          <a:spcPct val="0"/>
-        </a:spcAft>
-        <a:defRPr sz="4400">
-          <a:solidFill>
-            <a:schemeClr val="tx1"/>
-          </a:solidFill>
-          <a:latin typeface="Calibri" pitchFamily="34" charset="0"/>
-        </a:defRPr>
-      </a:lvl3pPr>
-      <a:lvl4pPr algn="ctr" rtl="0" eaLnBrk="0" fontAlgn="base" hangingPunct="0">
-        <a:spcBef>
-          <a:spcPct val="0"/>
-        </a:spcBef>
-        <a:spcAft>
-          <a:spcPct val="0"/>
-        </a:spcAft>
-        <a:defRPr sz="4400">
-          <a:solidFill>
-            <a:schemeClr val="tx1"/>
-          </a:solidFill>
-          <a:latin typeface="Calibri" pitchFamily="34" charset="0"/>
-        </a:defRPr>
-      </a:lvl4pPr>
-      <a:lvl5pPr algn="ctr" rtl="0" eaLnBrk="0" fontAlgn="base" hangingPunct="0">
-        <a:spcBef>
-          <a:spcPct val="0"/>
-        </a:spcBef>
-        <a:spcAft>
-          <a:spcPct val="0"/>
-        </a:spcAft>
-        <a:defRPr sz="4400">
-          <a:solidFill>
-            <a:schemeClr val="tx1"/>
-          </a:solidFill>
-          <a:latin typeface="Calibri" pitchFamily="34" charset="0"/>
-        </a:defRPr>
-      </a:lvl5pPr>
-      <a:lvl6pPr marL="457200" algn="ctr" rtl="0" fontAlgn="base">
-        <a:spcBef>
-          <a:spcPct val="0"/>
-        </a:spcBef>
-        <a:spcAft>
-          <a:spcPct val="0"/>
-        </a:spcAft>
-        <a:defRPr sz="4400">
-          <a:solidFill>
-            <a:schemeClr val="tx1"/>
-          </a:solidFill>
-          <a:latin typeface="Calibri" pitchFamily="34" charset="0"/>
-        </a:defRPr>
-      </a:lvl6pPr>
-      <a:lvl7pPr marL="914400" algn="ctr" rtl="0" fontAlgn="base">
-        <a:spcBef>
-          <a:spcPct val="0"/>
-        </a:spcBef>
-        <a:spcAft>
-          <a:spcPct val="0"/>
-        </a:spcAft>
-        <a:defRPr sz="4400">
-          <a:solidFill>
-            <a:schemeClr val="tx1"/>
-          </a:solidFill>
-          <a:latin typeface="Calibri" pitchFamily="34" charset="0"/>
-        </a:defRPr>
-      </a:lvl7pPr>
-      <a:lvl8pPr marL="1371600" algn="ctr" rtl="0" fontAlgn="base">
-        <a:spcBef>
-          <a:spcPct val="0"/>
-        </a:spcBef>
-        <a:spcAft>
-          <a:spcPct val="0"/>
-        </a:spcAft>
-        <a:defRPr sz="4400">
-          <a:solidFill>
-            <a:schemeClr val="tx1"/>
-          </a:solidFill>
-          <a:latin typeface="Calibri" pitchFamily="34" charset="0"/>
-        </a:defRPr>
-      </a:lvl8pPr>
-      <a:lvl9pPr marL="1828800" algn="ctr" rtl="0" fontAlgn="base">
-        <a:spcBef>
-          <a:spcPct val="0"/>
-        </a:spcBef>
-        <a:spcAft>
-          <a:spcPct val="0"/>
-        </a:spcAft>
-        <a:defRPr sz="4400">
-          <a:solidFill>
-            <a:schemeClr val="tx1"/>
-          </a:solidFill>
-          <a:latin typeface="Calibri" pitchFamily="34" charset="0"/>
-        </a:defRPr>
-      </a:lvl9pPr>
     </p:titleStyle>
     <p:bodyStyle>
-      <a:lvl1pPr marL="342900" indent="-342900" algn="l" rtl="0" eaLnBrk="0" fontAlgn="base" hangingPunct="0">
+      <a:lvl1pPr marL="342900" indent="-342900" algn="l" defTabSz="914400" rtl="0" eaLnBrk="1" latinLnBrk="0" hangingPunct="1">
         <a:spcBef>
           <a:spcPct val="20000"/>
         </a:spcBef>
-        <a:spcAft>
-          <a:spcPct val="0"/>
-        </a:spcAft>
-        <a:buFont typeface="Arial" charset="0"/>
+        <a:buFont typeface="Arial" pitchFamily="34" charset="0"/>
         <a:buChar char="•"/>
         <a:defRPr sz="3200" kern="1200">
           <a:solidFill>
@@ -3303,14 +2822,11 @@
           <a:cs typeface="+mn-cs"/>
         </a:defRPr>
       </a:lvl1pPr>
-      <a:lvl2pPr marL="742950" indent="-285750" algn="l" rtl="0" eaLnBrk="0" fontAlgn="base" hangingPunct="0">
+      <a:lvl2pPr marL="742950" indent="-285750" algn="l" defTabSz="914400" rtl="0" eaLnBrk="1" latinLnBrk="0" hangingPunct="1">
         <a:spcBef>
           <a:spcPct val="20000"/>
         </a:spcBef>
-        <a:spcAft>
-          <a:spcPct val="0"/>
-        </a:spcAft>
-        <a:buFont typeface="Arial" charset="0"/>
+        <a:buFont typeface="Arial" pitchFamily="34" charset="0"/>
         <a:buChar char="–"/>
         <a:defRPr sz="2800" kern="1200">
           <a:solidFill>
@@ -3321,14 +2837,11 @@
           <a:cs typeface="+mn-cs"/>
         </a:defRPr>
       </a:lvl2pPr>
-      <a:lvl3pPr marL="1143000" indent="-228600" algn="l" rtl="0" eaLnBrk="0" fontAlgn="base" hangingPunct="0">
+      <a:lvl3pPr marL="1143000" indent="-228600" algn="l" defTabSz="914400" rtl="0" eaLnBrk="1" latinLnBrk="0" hangingPunct="1">
         <a:spcBef>
           <a:spcPct val="20000"/>
         </a:spcBef>
-        <a:spcAft>
-          <a:spcPct val="0"/>
-        </a:spcAft>
-        <a:buFont typeface="Arial" charset="0"/>
+        <a:buFont typeface="Arial" pitchFamily="34" charset="0"/>
         <a:buChar char="•"/>
         <a:defRPr sz="2400" kern="1200">
           <a:solidFill>
@@ -3339,14 +2852,11 @@
           <a:cs typeface="+mn-cs"/>
         </a:defRPr>
       </a:lvl3pPr>
-      <a:lvl4pPr marL="1600200" indent="-228600" algn="l" rtl="0" eaLnBrk="0" fontAlgn="base" hangingPunct="0">
+      <a:lvl4pPr marL="1600200" indent="-228600" algn="l" defTabSz="914400" rtl="0" eaLnBrk="1" latinLnBrk="0" hangingPunct="1">
         <a:spcBef>
           <a:spcPct val="20000"/>
         </a:spcBef>
-        <a:spcAft>
-          <a:spcPct val="0"/>
-        </a:spcAft>
-        <a:buFont typeface="Arial" charset="0"/>
+        <a:buFont typeface="Arial" pitchFamily="34" charset="0"/>
         <a:buChar char="–"/>
         <a:defRPr sz="2000" kern="1200">
           <a:solidFill>
@@ -3357,14 +2867,11 @@
           <a:cs typeface="+mn-cs"/>
         </a:defRPr>
       </a:lvl4pPr>
-      <a:lvl5pPr marL="2057400" indent="-228600" algn="l" rtl="0" eaLnBrk="0" fontAlgn="base" hangingPunct="0">
+      <a:lvl5pPr marL="2057400" indent="-228600" algn="l" defTabSz="914400" rtl="0" eaLnBrk="1" latinLnBrk="0" hangingPunct="1">
         <a:spcBef>
           <a:spcPct val="20000"/>
         </a:spcBef>
-        <a:spcAft>
-          <a:spcPct val="0"/>
-        </a:spcAft>
-        <a:buFont typeface="Arial" charset="0"/>
+        <a:buFont typeface="Arial" pitchFamily="34" charset="0"/>
         <a:buChar char="»"/>
         <a:defRPr sz="2000" kern="1200">
           <a:solidFill>
@@ -3536,7 +3043,7 @@
 </file>
 
 <file path=ppt/slides/slide1.xml><?xml version="1.0" encoding="utf-8"?>
-<p:sld xmlns:a="http://schemas.openxmlformats.org/drawingml/2006/main" xmlns:r="http://schemas.openxmlformats.org/officeDocument/2006/relationships" xmlns:p="http://schemas.openxmlformats.org/presentationml/2006/main">
+<p:sld xmlns:p="http://schemas.openxmlformats.org/presentationml/2006/main" xmlns:a="http://schemas.openxmlformats.org/drawingml/2006/main">
   <p:cSld>
     <p:spTree>
       <p:nvGrpSpPr>
@@ -3552,9 +3059,9 @@
           <a:chExt cx="0" cy="0"/>
         </a:xfrm>
       </p:grpSpPr>
-      <p:sp>
-        <p:nvSpPr>
-          <p:cNvPr id="2050" name="Title 1"/>
+      <p:sp xmlns:r="http://schemas.openxmlformats.org/officeDocument/2006/relationships">
+        <p:nvSpPr>
+          <p:cNvPr id="2" name="Title 1"/>
           <p:cNvSpPr>
             <a:spLocks noGrp="1"/>
           </p:cNvSpPr>
@@ -3562,220 +3069,25 @@
             <p:ph type="ctrTitle"/>
           </p:nvPr>
         </p:nvSpPr>
-        <p:spPr/>
-        <p:txBody>
-          <a:bodyPr/>
-          <a:lstStyle/>
-          <a:p>
-            <a:pPr eaLnBrk="1" hangingPunct="1"/>
-            <a:r>
-              <a:rPr lang="en-US" dirty="0" err="1" smtClean="0"/>
-              <a:t>abcdefghijklm</a:t>
-            </a:r>
-            <a:endParaRPr lang="en-US" dirty="0" smtClean="0"/>
-          </a:p>
-        </p:txBody>
-      </p:sp>
-      <p:sp>
-        <p:nvSpPr>
-          <p:cNvPr id="3" name="Subtitle 2"/>
-          <p:cNvSpPr>
-            <a:spLocks noGrp="1"/>
-          </p:cNvSpPr>
-          <p:nvPr>
-            <p:ph type="subTitle" idx="1"/>
-          </p:nvPr>
-        </p:nvSpPr>
-        <p:spPr/>
-        <p:txBody>
-          <a:bodyPr rtlCol="0">
-            <a:normAutofit/>
-          </a:bodyPr>
-          <a:lstStyle/>
-          <a:p>
-            <a:pPr eaLnBrk="1" fontAlgn="auto" hangingPunct="1">
-              <a:spcAft>
-                <a:spcPts val="0"/>
-              </a:spcAft>
-              <a:buFont typeface="Arial" pitchFamily="34" charset="0"/>
-              <a:buNone/>
-              <a:defRPr/>
-            </a:pPr>
-            <a:r>
-              <a:rPr lang="en-US" dirty="0" err="1" smtClean="0"/>
-              <a:t>fgdgdfg</a:t>
-            </a:r>
-            <a:endParaRPr lang="en-US" dirty="0"/>
-          </a:p>
-        </p:txBody>
-      </p:sp>
-      <p:pic>
-        <p:nvPicPr>
-          <p:cNvPr id="2052" name="Picture 5" descr="C:\Program Files\Microsoft Office\MEDIA\OFFICE12\Bullets\BD21294_.gif"/>
-          <p:cNvPicPr>
-            <a:picLocks noChangeAspect="1" noChangeArrowheads="1"/>
-          </p:cNvPicPr>
-          <p:nvPr/>
-        </p:nvPicPr>
-        <p:blipFill>
-          <a:blip r:embed="rId2" cstate="print"/>
-          <a:srcRect/>
-          <a:stretch>
-            <a:fillRect/>
-          </a:stretch>
-        </p:blipFill>
-        <p:spPr bwMode="auto">
-          <a:xfrm>
-            <a:off x="4510088" y="3367088"/>
-            <a:ext cx="123825" cy="123825"/>
-          </a:xfrm>
-          <a:prstGeom prst="rect">
-            <a:avLst/>
-          </a:prstGeom>
-          <a:noFill/>
-          <a:ln w="9525">
-            <a:noFill/>
-            <a:miter lim="800000"/>
-            <a:headEnd/>
-            <a:tailEnd/>
-          </a:ln>
-        </p:spPr>
-      </p:pic>
-    </p:spTree>
-  </p:cSld>
-  <p:clrMapOvr>
-    <a:masterClrMapping/>
-  </p:clrMapOvr>
-</p:sld>
-</file>
-
-<file path=ppt/slides/slide2.xml><?xml version="1.0" encoding="utf-8"?>
-<p:sld xmlns:a="http://schemas.openxmlformats.org/drawingml/2006/main" xmlns:r="http://schemas.openxmlformats.org/officeDocument/2006/relationships" xmlns:p="http://schemas.openxmlformats.org/presentationml/2006/main">
-  <p:cSld>
-    <p:spTree>
-      <p:nvGrpSpPr>
-        <p:cNvPr id="1" name=""/>
-        <p:cNvGrpSpPr/>
-        <p:nvPr/>
-      </p:nvGrpSpPr>
-      <p:grpSpPr>
-        <a:xfrm>
-          <a:off x="0" y="0"/>
-          <a:ext cx="0" cy="0"/>
-          <a:chOff x="0" y="0"/>
-          <a:chExt cx="0" cy="0"/>
-        </a:xfrm>
-      </p:grpSpPr>
-      <p:sp>
-        <p:nvSpPr>
-          <p:cNvPr id="3074" name="Title 1"/>
-          <p:cNvSpPr>
-            <a:spLocks noGrp="1"/>
-          </p:cNvSpPr>
-          <p:nvPr>
-            <p:ph type="title"/>
-          </p:nvPr>
-        </p:nvSpPr>
-        <p:spPr/>
-        <p:txBody>
-          <a:bodyPr/>
-          <a:lstStyle/>
-          <a:p>
-            <a:pPr eaLnBrk="1" hangingPunct="1"/>
-            <a:endParaRPr lang="en-US" smtClean="0"/>
-          </a:p>
-        </p:txBody>
-      </p:sp>
-      <p:pic>
-        <p:nvPicPr>
-          <p:cNvPr id="3075" name="Content Placeholder 4" descr="mountains-i3e5.jpg"/>
-          <p:cNvPicPr>
-            <a:picLocks noGrp="1" noChangeAspect="1"/>
-          </p:cNvPicPr>
-          <p:nvPr>
-            <p:ph sz="half" idx="1"/>
-          </p:nvPr>
-        </p:nvPicPr>
-        <p:blipFill>
-          <a:blip r:embed="rId2" cstate="print"/>
-          <a:srcRect/>
-          <a:stretch>
-            <a:fillRect/>
-          </a:stretch>
-        </p:blipFill>
         <p:spPr>
           <a:xfrm>
-            <a:off x="457200" y="2540000"/>
-            <a:ext cx="4038600" cy="2646363"/>
+            <a:off x="685800" y="2130425"/>
+            <a:ext cx="7772400" cy="1470025"/>
           </a:xfrm>
         </p:spPr>
-      </p:pic>
-      <p:sp>
-        <p:nvSpPr>
-          <p:cNvPr id="3076" name="Content Placeholder 3"/>
-          <p:cNvSpPr>
-            <a:spLocks noGrp="1"/>
-          </p:cNvSpPr>
-          <p:nvPr>
-            <p:ph sz="half" idx="2"/>
-          </p:nvPr>
-        </p:nvSpPr>
-        <p:spPr/>
-        <p:txBody>
-          <a:bodyPr/>
-          <a:lstStyle/>
-          <a:p>
-            <a:pPr eaLnBrk="1" hangingPunct="1"/>
-            <a:endParaRPr lang="en-US" smtClean="0"/>
-          </a:p>
-        </p:txBody>
-      </p:sp>
-    </p:spTree>
-  </p:cSld>
-  <p:clrMapOvr>
-    <a:masterClrMapping/>
-  </p:clrMapOvr>
-</p:sld>
-</file>
-
-<file path=ppt/slides/slide3.xml><?xml version="1.0" encoding="utf-8"?>
-<p:sld xmlns:a="http://schemas.openxmlformats.org/drawingml/2006/main" xmlns:r="http://schemas.openxmlformats.org/officeDocument/2006/relationships" xmlns:p="http://schemas.openxmlformats.org/presentationml/2006/main">
-  <p:cSld>
-    <p:spTree>
-      <p:nvGrpSpPr>
-        <p:cNvPr id="1" name=""/>
-        <p:cNvGrpSpPr/>
-        <p:nvPr/>
-      </p:nvGrpSpPr>
-      <p:grpSpPr>
-        <a:xfrm>
-          <a:off x="0" y="0"/>
-          <a:ext cx="0" cy="0"/>
-          <a:chOff x="0" y="0"/>
-          <a:chExt cx="0" cy="0"/>
-        </a:xfrm>
-      </p:grpSpPr>
-      <p:sp>
-        <p:nvSpPr>
-          <p:cNvPr id="4098" name="Title 1"/>
-          <p:cNvSpPr>
-            <a:spLocks noGrp="1"/>
-          </p:cNvSpPr>
-          <p:nvPr>
-            <p:ph type="ctrTitle"/>
-          </p:nvPr>
-        </p:nvSpPr>
-        <p:spPr/>
-        <p:txBody>
-          <a:bodyPr/>
-          <a:lstStyle/>
-          <a:p>
-            <a:pPr eaLnBrk="1" hangingPunct="1"/>
-            <a:endParaRPr lang="en-US" smtClean="0"/>
-          </a:p>
-        </p:txBody>
-      </p:sp>
-      <p:sp>
+        <p:txBody>
+          <a:bodyPr/>
+          <a:lstStyle/>
+          <a:p>
+            <a:r>
+              <a:rPr lang="en-US" smtClean="0"/>
+              <a:t>Click to edit Master title style</a:t>
+            </a:r>
+            <a:endParaRPr lang="en-US"/>
+          </a:p>
+        </p:txBody>
+      </p:sp>
+      <p:sp xmlns:r="http://schemas.openxmlformats.org/officeDocument/2006/relationships">
         <p:nvSpPr>
           <p:cNvPr id="3" name="Subtitle 2"/>
           <p:cNvSpPr>
@@ -3785,57 +3097,115 @@
             <p:ph type="subTitle" idx="1"/>
           </p:nvPr>
         </p:nvSpPr>
-        <p:spPr/>
-        <p:txBody>
-          <a:bodyPr rtlCol="0">
-            <a:normAutofit/>
-          </a:bodyPr>
-          <a:lstStyle/>
-          <a:p>
-            <a:pPr eaLnBrk="1" fontAlgn="auto" hangingPunct="1">
-              <a:spcAft>
-                <a:spcPts val="0"/>
-              </a:spcAft>
-              <a:buFont typeface="Arial" pitchFamily="34" charset="0"/>
-              <a:buNone/>
-              <a:defRPr/>
-            </a:pPr>
-            <a:endParaRPr lang="en-US"/>
-          </a:p>
-        </p:txBody>
-      </p:sp>
-      <p:pic>
-        <p:nvPicPr>
-          <p:cNvPr id="4100" name="Picture 3" descr="landscape-7x2.jpg"/>
-          <p:cNvPicPr>
-            <a:picLocks noChangeAspect="1"/>
-          </p:cNvPicPr>
-          <p:nvPr/>
-        </p:nvPicPr>
-        <p:blipFill>
-          <a:blip r:embed="rId2" cstate="print"/>
-          <a:srcRect/>
-          <a:stretch>
-            <a:fillRect/>
-          </a:stretch>
-        </p:blipFill>
-        <p:spPr bwMode="auto">
+        <p:spPr>
           <a:xfrm>
-            <a:off x="3657600" y="4022725"/>
-            <a:ext cx="4327525" cy="2835275"/>
+            <a:off x="1371600" y="3886200"/>
+            <a:ext cx="6400800" cy="1752600"/>
           </a:xfrm>
-          <a:prstGeom prst="rect">
-            <a:avLst/>
-          </a:prstGeom>
-          <a:noFill/>
-          <a:ln w="9525">
-            <a:noFill/>
-            <a:miter lim="800000"/>
-            <a:headEnd/>
-            <a:tailEnd/>
-          </a:ln>
         </p:spPr>
-      </p:pic>
+        <p:txBody>
+          <a:bodyPr/>
+          <a:lstStyle>
+            <a:lvl1pPr marL="0" indent="0" algn="ctr">
+              <a:buNone/>
+              <a:defRPr>
+                <a:solidFill>
+                  <a:schemeClr val="tx1">
+                    <a:tint val="75000"/>
+                  </a:schemeClr>
+                </a:solidFill>
+              </a:defRPr>
+            </a:lvl1pPr>
+            <a:lvl2pPr marL="457200" indent="0" algn="ctr">
+              <a:buNone/>
+              <a:defRPr>
+                <a:solidFill>
+                  <a:schemeClr val="tx1">
+                    <a:tint val="75000"/>
+                  </a:schemeClr>
+                </a:solidFill>
+              </a:defRPr>
+            </a:lvl2pPr>
+            <a:lvl3pPr marL="914400" indent="0" algn="ctr">
+              <a:buNone/>
+              <a:defRPr>
+                <a:solidFill>
+                  <a:schemeClr val="tx1">
+                    <a:tint val="75000"/>
+                  </a:schemeClr>
+                </a:solidFill>
+              </a:defRPr>
+            </a:lvl3pPr>
+            <a:lvl4pPr marL="1371600" indent="0" algn="ctr">
+              <a:buNone/>
+              <a:defRPr>
+                <a:solidFill>
+                  <a:schemeClr val="tx1">
+                    <a:tint val="75000"/>
+                  </a:schemeClr>
+                </a:solidFill>
+              </a:defRPr>
+            </a:lvl4pPr>
+            <a:lvl5pPr marL="1828800" indent="0" algn="ctr">
+              <a:buNone/>
+              <a:defRPr>
+                <a:solidFill>
+                  <a:schemeClr val="tx1">
+                    <a:tint val="75000"/>
+                  </a:schemeClr>
+                </a:solidFill>
+              </a:defRPr>
+            </a:lvl5pPr>
+            <a:lvl6pPr marL="2286000" indent="0" algn="ctr">
+              <a:buNone/>
+              <a:defRPr>
+                <a:solidFill>
+                  <a:schemeClr val="tx1">
+                    <a:tint val="75000"/>
+                  </a:schemeClr>
+                </a:solidFill>
+              </a:defRPr>
+            </a:lvl6pPr>
+            <a:lvl7pPr marL="2743200" indent="0" algn="ctr">
+              <a:buNone/>
+              <a:defRPr>
+                <a:solidFill>
+                  <a:schemeClr val="tx1">
+                    <a:tint val="75000"/>
+                  </a:schemeClr>
+                </a:solidFill>
+              </a:defRPr>
+            </a:lvl7pPr>
+            <a:lvl8pPr marL="3200400" indent="0" algn="ctr">
+              <a:buNone/>
+              <a:defRPr>
+                <a:solidFill>
+                  <a:schemeClr val="tx1">
+                    <a:tint val="75000"/>
+                  </a:schemeClr>
+                </a:solidFill>
+              </a:defRPr>
+            </a:lvl8pPr>
+            <a:lvl9pPr marL="3657600" indent="0" algn="ctr">
+              <a:buNone/>
+              <a:defRPr>
+                <a:solidFill>
+                  <a:schemeClr val="tx1">
+                    <a:tint val="75000"/>
+                  </a:schemeClr>
+                </a:solidFill>
+              </a:defRPr>
+            </a:lvl9pPr>
+          </a:lstStyle>
+          <a:p>
+            <a:r>
+              <a:rPr lang="en-US" smtClean="0"/>
+              <a:t>Click to edit Master subtitle style</a:t>
+            </a:r>
+            <a:endParaRPr lang="en-US"/>
+          </a:p>
+        </p:txBody>
+      </p:sp>
     </p:spTree>
   </p:cSld>
   <p:clrMapOvr>
